--- a/jarFolder/CENG552PresentationBurcuGökçe.pptx
+++ b/jarFolder/CENG552PresentationBurcuGökçe.pptx
@@ -20,7 +20,7 @@
     <p:sldId id="303" r:id="rId8"/>
     <p:sldId id="304" r:id="rId9"/>
     <p:sldId id="305" r:id="rId10"/>
-    <p:sldId id="307" r:id="rId11"/>
+    <p:sldId id="312" r:id="rId11"/>
     <p:sldId id="306" r:id="rId12"/>
     <p:sldId id="300" r:id="rId13"/>
     <p:sldId id="298" r:id="rId14"/>
@@ -244,7 +244,7 @@
           <a:p>
             <a:fld id="{9B1E876F-9CF4-4844-B46A-058B66181BED}" type="datetimeFigureOut">
               <a:rPr lang="en-US" smtClean="0"/>
-              <a:t>1/6/2018</a:t>
+              <a:t>1/7/2018</a:t>
             </a:fld>
             <a:endParaRPr lang="en-US"/>
           </a:p>
@@ -421,7 +421,7 @@
           <a:p>
             <a:fld id="{5E8A11D7-B628-4606-8CA1-ED1DBA1D317C}" type="datetimeFigureOut">
               <a:rPr lang="en-US" smtClean="0"/>
-              <a:t>1/6/2018</a:t>
+              <a:t>1/7/2018</a:t>
             </a:fld>
             <a:endParaRPr lang="en-US"/>
           </a:p>
@@ -876,165 +876,6 @@
                 <a:tabLst/>
                 <a:defRPr/>
               </a:pPr>
-              <a:t>12</a:t>
-            </a:fld>
-            <a:endParaRPr kumimoji="0" lang="en-US" sz="1200" b="0" i="0" u="none" strike="noStrike" kern="1200" cap="none" spc="0" normalizeH="0" baseline="0" noProof="0">
-              <a:ln>
-                <a:noFill/>
-              </a:ln>
-              <a:solidFill>
-                <a:prstClr val="black"/>
-              </a:solidFill>
-              <a:effectLst/>
-              <a:uLnTx/>
-              <a:uFillTx/>
-              <a:latin typeface="Calibri"/>
-              <a:ea typeface="+mn-ea"/>
-              <a:cs typeface="+mn-cs"/>
-            </a:endParaRPr>
-          </a:p>
-        </p:txBody>
-      </p:sp>
-    </p:spTree>
-    <p:extLst>
-      <p:ext uri="{BB962C8B-B14F-4D97-AF65-F5344CB8AC3E}">
-        <p14:creationId xmlns:p14="http://schemas.microsoft.com/office/powerpoint/2010/main" val="1350078797"/>
-      </p:ext>
-    </p:extLst>
-  </p:cSld>
-  <p:clrMapOvr>
-    <a:masterClrMapping/>
-  </p:clrMapOvr>
-</p:notes>
-</file>
-
-<file path=ppt/notesSlides/notesSlide11.xml><?xml version="1.0" encoding="utf-8"?>
-<p:notes xmlns:a="http://schemas.openxmlformats.org/drawingml/2006/main" xmlns:r="http://schemas.openxmlformats.org/officeDocument/2006/relationships" xmlns:p="http://schemas.openxmlformats.org/presentationml/2006/main">
-  <p:cSld>
-    <p:spTree>
-      <p:nvGrpSpPr>
-        <p:cNvPr id="1" name=""/>
-        <p:cNvGrpSpPr/>
-        <p:nvPr/>
-      </p:nvGrpSpPr>
-      <p:grpSpPr>
-        <a:xfrm>
-          <a:off x="0" y="0"/>
-          <a:ext cx="0" cy="0"/>
-          <a:chOff x="0" y="0"/>
-          <a:chExt cx="0" cy="0"/>
-        </a:xfrm>
-      </p:grpSpPr>
-      <p:sp>
-        <p:nvSpPr>
-          <p:cNvPr id="2" name="Slide Image Placeholder 1"/>
-          <p:cNvSpPr>
-            <a:spLocks noGrp="1" noRot="1" noChangeAspect="1"/>
-          </p:cNvSpPr>
-          <p:nvPr>
-            <p:ph type="sldImg"/>
-          </p:nvPr>
-        </p:nvSpPr>
-        <p:spPr/>
-      </p:sp>
-      <p:sp>
-        <p:nvSpPr>
-          <p:cNvPr id="3" name="Notes Placeholder 2"/>
-          <p:cNvSpPr>
-            <a:spLocks noGrp="1"/>
-          </p:cNvSpPr>
-          <p:nvPr>
-            <p:ph type="body" idx="1"/>
-          </p:nvPr>
-        </p:nvSpPr>
-        <p:spPr/>
-        <p:txBody>
-          <a:bodyPr/>
-          <a:lstStyle/>
-          <a:p>
-            <a:r>
-              <a:rPr lang="en-US" dirty="0"/>
-              <a:t>The test model can be considered</a:t>
-            </a:r>
-          </a:p>
-          <a:p>
-            <a:r>
-              <a:rPr lang="en-US" dirty="0"/>
-              <a:t>as a reference test model2 in the sense that it captures all</a:t>
-            </a:r>
-          </a:p>
-          <a:p>
-            <a:r>
-              <a:rPr lang="en-US" dirty="0"/>
-              <a:t>possible usage scenarios for a family of systems</a:t>
-            </a:r>
-          </a:p>
-        </p:txBody>
-      </p:sp>
-      <p:sp>
-        <p:nvSpPr>
-          <p:cNvPr id="4" name="Slide Number Placeholder 3"/>
-          <p:cNvSpPr>
-            <a:spLocks noGrp="1"/>
-          </p:cNvSpPr>
-          <p:nvPr>
-            <p:ph type="sldNum" sz="quarter" idx="10"/>
-          </p:nvPr>
-        </p:nvSpPr>
-        <p:spPr/>
-        <p:txBody>
-          <a:bodyPr/>
-          <a:lstStyle/>
-          <a:p>
-            <a:pPr marL="0" marR="0" lvl="0" indent="0" algn="r" defTabSz="914400" rtl="0" eaLnBrk="1" fontAlgn="auto" latinLnBrk="0" hangingPunct="1">
-              <a:lnSpc>
-                <a:spcPct val="100000"/>
-              </a:lnSpc>
-              <a:spcBef>
-                <a:spcPts val="0"/>
-              </a:spcBef>
-              <a:spcAft>
-                <a:spcPts val="0"/>
-              </a:spcAft>
-              <a:buClrTx/>
-              <a:buSzTx/>
-              <a:buFontTx/>
-              <a:buNone/>
-              <a:tabLst/>
-              <a:defRPr/>
-            </a:pPr>
-            <a:fld id="{86DD51C1-76A8-45EE-B5F0-0C83FFC4CFF4}" type="slidenum">
-              <a:rPr kumimoji="0" lang="en-US" sz="1200" b="0" i="0" u="none" strike="noStrike" kern="1200" cap="none" spc="0" normalizeH="0" baseline="0" noProof="0" smtClean="0">
-                <a:ln>
-                  <a:noFill/>
-                </a:ln>
-                <a:solidFill>
-                  <a:prstClr val="black"/>
-                </a:solidFill>
-                <a:effectLst/>
-                <a:uLnTx/>
-                <a:uFillTx/>
-                <a:latin typeface="Calibri"/>
-                <a:ea typeface="+mn-ea"/>
-                <a:cs typeface="+mn-cs"/>
-              </a:rPr>
-              <a:pPr marL="0" marR="0" lvl="0" indent="0" algn="r" defTabSz="914400" rtl="0" eaLnBrk="1" fontAlgn="auto" latinLnBrk="0" hangingPunct="1">
-                <a:lnSpc>
-                  <a:spcPct val="100000"/>
-                </a:lnSpc>
-                <a:spcBef>
-                  <a:spcPts val="0"/>
-                </a:spcBef>
-                <a:spcAft>
-                  <a:spcPts val="0"/>
-                </a:spcAft>
-                <a:buClrTx/>
-                <a:buSzTx/>
-                <a:buFontTx/>
-                <a:buNone/>
-                <a:tabLst/>
-                <a:defRPr/>
-              </a:pPr>
               <a:t>13</a:t>
             </a:fld>
             <a:endParaRPr kumimoji="0" lang="en-US" sz="1200" b="0" i="0" u="none" strike="noStrike" kern="1200" cap="none" spc="0" normalizeH="0" baseline="0" noProof="0">
@@ -1067,7 +908,7 @@
 </p:notes>
 </file>
 
-<file path=ppt/notesSlides/notesSlide12.xml><?xml version="1.0" encoding="utf-8"?>
+<file path=ppt/notesSlides/notesSlide11.xml><?xml version="1.0" encoding="utf-8"?>
 <p:notes xmlns:a="http://schemas.openxmlformats.org/drawingml/2006/main" xmlns:r="http://schemas.openxmlformats.org/officeDocument/2006/relationships" xmlns:p="http://schemas.openxmlformats.org/presentationml/2006/main">
   <p:cSld>
     <p:spTree>
@@ -1226,7 +1067,7 @@
 </p:notes>
 </file>
 
-<file path=ppt/notesSlides/notesSlide13.xml><?xml version="1.0" encoding="utf-8"?>
+<file path=ppt/notesSlides/notesSlide12.xml><?xml version="1.0" encoding="utf-8"?>
 <p:notes xmlns:a="http://schemas.openxmlformats.org/drawingml/2006/main" xmlns:r="http://schemas.openxmlformats.org/officeDocument/2006/relationships" xmlns:p="http://schemas.openxmlformats.org/presentationml/2006/main">
   <p:cSld>
     <p:spTree>
@@ -1385,7 +1226,7 @@
 </p:notes>
 </file>
 
-<file path=ppt/notesSlides/notesSlide14.xml><?xml version="1.0" encoding="utf-8"?>
+<file path=ppt/notesSlides/notesSlide13.xml><?xml version="1.0" encoding="utf-8"?>
 <p:notes xmlns:a="http://schemas.openxmlformats.org/drawingml/2006/main" xmlns:r="http://schemas.openxmlformats.org/officeDocument/2006/relationships" xmlns:p="http://schemas.openxmlformats.org/presentationml/2006/main">
   <p:cSld>
     <p:spTree>
@@ -2460,7 +2301,7 @@
                 <a:tabLst/>
                 <a:defRPr/>
               </a:pPr>
-              <a:t>10</a:t>
+              <a:t>11</a:t>
             </a:fld>
             <a:endParaRPr kumimoji="0" lang="en-US" sz="1200" b="0" i="0" u="none" strike="noStrike" kern="1200" cap="none" spc="0" normalizeH="0" baseline="0" noProof="0">
               <a:ln>
@@ -2482,7 +2323,7 @@
     </p:spTree>
     <p:extLst>
       <p:ext uri="{BB962C8B-B14F-4D97-AF65-F5344CB8AC3E}">
-        <p14:creationId xmlns:p14="http://schemas.microsoft.com/office/powerpoint/2010/main" val="3776294080"/>
+        <p14:creationId xmlns:p14="http://schemas.microsoft.com/office/powerpoint/2010/main" val="3387120949"/>
       </p:ext>
     </p:extLst>
   </p:cSld>
@@ -2536,7 +2377,22 @@
           <a:bodyPr/>
           <a:lstStyle/>
           <a:p>
-            <a:endParaRPr lang="en-US" baseline="0" dirty="0"/>
+            <a:r>
+              <a:rPr lang="en-US" dirty="0"/>
+              <a:t>The test model can be considered</a:t>
+            </a:r>
+          </a:p>
+          <a:p>
+            <a:r>
+              <a:rPr lang="en-US" dirty="0"/>
+              <a:t>as a reference test model2 in the sense that it captures all</a:t>
+            </a:r>
+          </a:p>
+          <a:p>
+            <a:r>
+              <a:rPr lang="en-US" dirty="0"/>
+              <a:t>possible usage scenarios for a family of systems</a:t>
+            </a:r>
           </a:p>
         </p:txBody>
       </p:sp>
@@ -2604,7 +2460,7 @@
                 <a:tabLst/>
                 <a:defRPr/>
               </a:pPr>
-              <a:t>11</a:t>
+              <a:t>12</a:t>
             </a:fld>
             <a:endParaRPr kumimoji="0" lang="en-US" sz="1200" b="0" i="0" u="none" strike="noStrike" kern="1200" cap="none" spc="0" normalizeH="0" baseline="0" noProof="0">
               <a:ln>
@@ -2626,7 +2482,7 @@
     </p:spTree>
     <p:extLst>
       <p:ext uri="{BB962C8B-B14F-4D97-AF65-F5344CB8AC3E}">
-        <p14:creationId xmlns:p14="http://schemas.microsoft.com/office/powerpoint/2010/main" val="3387120949"/>
+        <p14:creationId xmlns:p14="http://schemas.microsoft.com/office/powerpoint/2010/main" val="1350078797"/>
       </p:ext>
     </p:extLst>
   </p:cSld>
@@ -2828,7 +2684,7 @@
           <a:p>
             <a:fld id="{E21E165A-0A46-46A0-98E0-DDB9D002DC18}" type="datetime1">
               <a:rPr lang="en-US" smtClean="0"/>
-              <a:t>1/6/2018</a:t>
+              <a:t>1/7/2018</a:t>
             </a:fld>
             <a:endParaRPr lang="en-US"/>
           </a:p>
@@ -2992,7 +2848,7 @@
           <a:p>
             <a:fld id="{65FDF674-65C9-49DD-AE6C-D56BE4094A90}" type="datetime1">
               <a:rPr lang="en-US" smtClean="0"/>
-              <a:t>1/6/2018</a:t>
+              <a:t>1/7/2018</a:t>
             </a:fld>
             <a:endParaRPr lang="en-US"/>
           </a:p>
@@ -3166,7 +3022,7 @@
           <a:p>
             <a:fld id="{F73042E3-2BDC-43E1-9E47-5F2CCD6F8002}" type="datetime1">
               <a:rPr lang="en-US" smtClean="0"/>
-              <a:t>1/6/2018</a:t>
+              <a:t>1/7/2018</a:t>
             </a:fld>
             <a:endParaRPr lang="en-US"/>
           </a:p>
@@ -3349,7 +3205,7 @@
           <a:p>
             <a:fld id="{BE9874B7-6D5E-436B-BB4E-7AEE6FAFD762}" type="datetime1">
               <a:rPr lang="en-US" smtClean="0"/>
-              <a:t>1/6/2018</a:t>
+              <a:t>1/7/2018</a:t>
             </a:fld>
             <a:endParaRPr lang="en-US"/>
           </a:p>
@@ -3611,7 +3467,7 @@
           <a:p>
             <a:fld id="{1B9B19FC-1708-45BD-9BE0-3C1B7004B750}" type="datetime1">
               <a:rPr lang="en-US" smtClean="0"/>
-              <a:t>1/6/2018</a:t>
+              <a:t>1/7/2018</a:t>
             </a:fld>
             <a:endParaRPr lang="en-US"/>
           </a:p>
@@ -3958,7 +3814,7 @@
           <a:p>
             <a:fld id="{50DAEEE8-ACD0-4500-8158-81286FE67BA5}" type="datetime1">
               <a:rPr lang="en-US" smtClean="0"/>
-              <a:t>1/6/2018</a:t>
+              <a:t>1/7/2018</a:t>
             </a:fld>
             <a:endParaRPr lang="en-US"/>
           </a:p>
@@ -4264,7 +4120,7 @@
           <a:p>
             <a:fld id="{74C221C2-DAE0-4A26-829F-115ABF937BE2}" type="datetime1">
               <a:rPr lang="en-US" smtClean="0"/>
-              <a:t>1/6/2018</a:t>
+              <a:t>1/7/2018</a:t>
             </a:fld>
             <a:endParaRPr lang="en-US"/>
           </a:p>
@@ -4491,7 +4347,7 @@
           <a:p>
             <a:fld id="{F0FF09C3-6C17-4691-93A8-E7AA402E89F6}" type="datetime1">
               <a:rPr lang="en-US" smtClean="0"/>
-              <a:t>1/6/2018</a:t>
+              <a:t>1/7/2018</a:t>
             </a:fld>
             <a:endParaRPr lang="en-US"/>
           </a:p>
@@ -4581,7 +4437,7 @@
           <a:p>
             <a:fld id="{015FAFB3-4D7E-4722-84CF-D19523E251F5}" type="datetime1">
               <a:rPr lang="en-US" smtClean="0"/>
-              <a:t>1/6/2018</a:t>
+              <a:t>1/7/2018</a:t>
             </a:fld>
             <a:endParaRPr lang="en-US"/>
           </a:p>
@@ -4869,7 +4725,7 @@
           <a:p>
             <a:fld id="{56CD6AA4-5078-474D-A8EA-6E150B22944E}" type="datetime1">
               <a:rPr lang="en-US" smtClean="0"/>
-              <a:t>1/6/2018</a:t>
+              <a:t>1/7/2018</a:t>
             </a:fld>
             <a:endParaRPr lang="en-US"/>
           </a:p>
@@ -5138,7 +4994,7 @@
           <a:p>
             <a:fld id="{7EAB3EED-4A56-4A7E-8BF3-0724D88E41EE}" type="datetime1">
               <a:rPr lang="en-US" smtClean="0"/>
-              <a:t>1/6/2018</a:t>
+              <a:t>1/7/2018</a:t>
             </a:fld>
             <a:endParaRPr lang="en-US"/>
           </a:p>
@@ -5348,7 +5204,7 @@
           <a:p>
             <a:fld id="{5F904DC3-91A6-4921-A71F-A7DA41DA8AFF}" type="datetime1">
               <a:rPr lang="en-US" smtClean="0"/>
-              <a:t>1/6/2018</a:t>
+              <a:t>1/7/2018</a:t>
             </a:fld>
             <a:endParaRPr lang="en-US"/>
           </a:p>
@@ -6461,39 +6317,15 @@
           <a:chExt cx="0" cy="0"/>
         </a:xfrm>
       </p:grpSpPr>
-      <p:pic>
-        <p:nvPicPr>
-          <p:cNvPr id="3" name="Resim 2">
+      <p:sp>
+        <p:nvSpPr>
+          <p:cNvPr id="2" name="Unvan 1">
             <a:extLst>
               <a:ext uri="{FF2B5EF4-FFF2-40B4-BE49-F238E27FC236}">
-                <a16:creationId xmlns:a16="http://schemas.microsoft.com/office/drawing/2014/main" id="{A06B6C7E-8A44-4274-9595-F1D06749EB49}"/>
+                <a16:creationId xmlns:a16="http://schemas.microsoft.com/office/drawing/2014/main" id="{4A701A21-4A02-4D8F-B136-121D4D542223}"/>
               </a:ext>
             </a:extLst>
           </p:cNvPr>
-          <p:cNvPicPr>
-            <a:picLocks noChangeAspect="1"/>
-          </p:cNvPicPr>
-          <p:nvPr/>
-        </p:nvPicPr>
-        <p:blipFill>
-          <a:blip r:embed="rId3"/>
-          <a:stretch>
-            <a:fillRect/>
-          </a:stretch>
-        </p:blipFill>
-        <p:spPr>
-          <a:xfrm>
-            <a:off x="5469490" y="1981200"/>
-            <a:ext cx="3384627" cy="2633769"/>
-          </a:xfrm>
-          <a:prstGeom prst="rect">
-            <a:avLst/>
-          </a:prstGeom>
-        </p:spPr>
-      </p:pic>
-      <p:sp>
-        <p:nvSpPr>
-          <p:cNvPr id="2" name="Title 1"/>
           <p:cNvSpPr>
             <a:spLocks noGrp="1"/>
           </p:cNvSpPr>
@@ -6503,8 +6335,8 @@
         </p:nvSpPr>
         <p:spPr>
           <a:xfrm>
-            <a:off x="457200" y="381000"/>
-            <a:ext cx="8229600" cy="914400"/>
+            <a:off x="457200" y="304800"/>
+            <a:ext cx="8229600" cy="990600"/>
           </a:xfrm>
         </p:spPr>
         <p:txBody>
@@ -6523,183 +6355,15 @@
               <a:rPr lang="tr-TR" sz="4000" dirty="0"/>
               <a:t> File</a:t>
             </a:r>
-            <a:endParaRPr lang="en-US" sz="4000" dirty="0"/>
-          </a:p>
-        </p:txBody>
-      </p:sp>
-      <p:sp>
-        <p:nvSpPr>
-          <p:cNvPr id="14" name="Slide Number Placeholder 13"/>
-          <p:cNvSpPr>
-            <a:spLocks noGrp="1"/>
-          </p:cNvSpPr>
-          <p:nvPr>
-            <p:ph type="sldNum" sz="quarter" idx="12"/>
-          </p:nvPr>
-        </p:nvSpPr>
-        <p:spPr/>
-        <p:txBody>
-          <a:bodyPr/>
-          <a:lstStyle/>
-          <a:p>
-            <a:pPr marL="0" marR="0" lvl="0" indent="0" algn="l" defTabSz="914400" rtl="0" eaLnBrk="1" fontAlgn="auto" latinLnBrk="0" hangingPunct="1">
-              <a:lnSpc>
-                <a:spcPct val="100000"/>
-              </a:lnSpc>
-              <a:spcBef>
-                <a:spcPts val="0"/>
-              </a:spcBef>
-              <a:spcAft>
-                <a:spcPts val="0"/>
-              </a:spcAft>
-              <a:buClrTx/>
-              <a:buSzTx/>
-              <a:buFontTx/>
-              <a:buNone/>
-              <a:tabLst/>
-              <a:defRPr/>
-            </a:pPr>
-            <a:fld id="{D3A8E80F-08AD-4AA5-83D2-78A6B2333CC0}" type="slidenum">
-              <a:rPr kumimoji="0" lang="en-US" sz="1200" b="0" i="0" u="none" strike="noStrike" kern="1200" cap="none" spc="0" normalizeH="0" baseline="0" noProof="0" smtClean="0">
-                <a:ln>
-                  <a:noFill/>
-                </a:ln>
-                <a:solidFill>
-                  <a:prstClr val="black">
-                    <a:lumMod val="65000"/>
-                    <a:lumOff val="35000"/>
-                  </a:prstClr>
-                </a:solidFill>
-                <a:effectLst/>
-                <a:uLnTx/>
-                <a:uFillTx/>
-                <a:latin typeface="Century Gothic" pitchFamily="34" charset="0"/>
-                <a:ea typeface="+mn-ea"/>
-                <a:cs typeface="+mn-cs"/>
-              </a:rPr>
-              <a:pPr marL="0" marR="0" lvl="0" indent="0" algn="l" defTabSz="914400" rtl="0" eaLnBrk="1" fontAlgn="auto" latinLnBrk="0" hangingPunct="1">
-                <a:lnSpc>
-                  <a:spcPct val="100000"/>
-                </a:lnSpc>
-                <a:spcBef>
-                  <a:spcPts val="0"/>
-                </a:spcBef>
-                <a:spcAft>
-                  <a:spcPts val="0"/>
-                </a:spcAft>
-                <a:buClrTx/>
-                <a:buSzTx/>
-                <a:buFontTx/>
-                <a:buNone/>
-                <a:tabLst/>
-                <a:defRPr/>
-              </a:pPr>
-              <a:t>10</a:t>
-            </a:fld>
-            <a:endParaRPr kumimoji="0" lang="en-US" sz="1200" b="0" i="0" u="none" strike="noStrike" kern="1200" cap="none" spc="0" normalizeH="0" baseline="0" noProof="0">
-              <a:ln>
-                <a:noFill/>
-              </a:ln>
-              <a:solidFill>
-                <a:prstClr val="black">
-                  <a:lumMod val="65000"/>
-                  <a:lumOff val="35000"/>
-                </a:prstClr>
-              </a:solidFill>
-              <a:effectLst/>
-              <a:uLnTx/>
-              <a:uFillTx/>
-              <a:latin typeface="Century Gothic" pitchFamily="34" charset="0"/>
-              <a:ea typeface="+mn-ea"/>
-              <a:cs typeface="+mn-cs"/>
-            </a:endParaRPr>
-          </a:p>
-        </p:txBody>
-      </p:sp>
-      <p:cxnSp>
-        <p:nvCxnSpPr>
-          <p:cNvPr id="15" name="Düz Ok Bağlayıcısı 14">
+          </a:p>
+        </p:txBody>
+      </p:sp>
+      <p:sp>
+        <p:nvSpPr>
+          <p:cNvPr id="3" name="İçerik Yer Tutucusu 2">
             <a:extLst>
               <a:ext uri="{FF2B5EF4-FFF2-40B4-BE49-F238E27FC236}">
-                <a16:creationId xmlns:a16="http://schemas.microsoft.com/office/drawing/2014/main" id="{9E112050-01A1-437C-A755-CF996B3C58F8}"/>
-              </a:ext>
-            </a:extLst>
-          </p:cNvPr>
-          <p:cNvCxnSpPr/>
-          <p:nvPr/>
-        </p:nvCxnSpPr>
-        <p:spPr>
-          <a:xfrm>
-            <a:off x="3886200" y="3429000"/>
-            <a:ext cx="0" cy="0"/>
-          </a:xfrm>
-          <a:prstGeom prst="straightConnector1">
-            <a:avLst/>
-          </a:prstGeom>
-          <a:ln>
-            <a:tailEnd type="triangle"/>
-          </a:ln>
-        </p:spPr>
-        <p:style>
-          <a:lnRef idx="1">
-            <a:schemeClr val="accent1"/>
-          </a:lnRef>
-          <a:fillRef idx="0">
-            <a:schemeClr val="accent1"/>
-          </a:fillRef>
-          <a:effectRef idx="0">
-            <a:schemeClr val="accent1"/>
-          </a:effectRef>
-          <a:fontRef idx="minor">
-            <a:schemeClr val="tx1"/>
-          </a:fontRef>
-        </p:style>
-      </p:cxnSp>
-      <p:cxnSp>
-        <p:nvCxnSpPr>
-          <p:cNvPr id="19" name="Düz Ok Bağlayıcısı 18">
-            <a:extLst>
-              <a:ext uri="{FF2B5EF4-FFF2-40B4-BE49-F238E27FC236}">
-                <a16:creationId xmlns:a16="http://schemas.microsoft.com/office/drawing/2014/main" id="{DDDF5E7E-B7F0-403A-AD0D-192C397BBC76}"/>
-              </a:ext>
-            </a:extLst>
-          </p:cNvPr>
-          <p:cNvCxnSpPr/>
-          <p:nvPr/>
-        </p:nvCxnSpPr>
-        <p:spPr>
-          <a:xfrm>
-            <a:off x="2133600" y="3383556"/>
-            <a:ext cx="0" cy="0"/>
-          </a:xfrm>
-          <a:prstGeom prst="straightConnector1">
-            <a:avLst/>
-          </a:prstGeom>
-          <a:ln>
-            <a:tailEnd type="triangle"/>
-          </a:ln>
-        </p:spPr>
-        <p:style>
-          <a:lnRef idx="1">
-            <a:schemeClr val="accent1"/>
-          </a:lnRef>
-          <a:fillRef idx="0">
-            <a:schemeClr val="accent1"/>
-          </a:fillRef>
-          <a:effectRef idx="0">
-            <a:schemeClr val="accent1"/>
-          </a:effectRef>
-          <a:fontRef idx="minor">
-            <a:schemeClr val="tx1"/>
-          </a:fontRef>
-        </p:style>
-      </p:cxnSp>
-      <p:sp>
-        <p:nvSpPr>
-          <p:cNvPr id="7" name="İçerik Yer Tutucusu 6">
-            <a:extLst>
-              <a:ext uri="{FF2B5EF4-FFF2-40B4-BE49-F238E27FC236}">
-                <a16:creationId xmlns:a16="http://schemas.microsoft.com/office/drawing/2014/main" id="{9E0E01C6-2C40-4F79-A50C-D27B144C25F5}"/>
+                <a16:creationId xmlns:a16="http://schemas.microsoft.com/office/drawing/2014/main" id="{D1DACE4B-58DC-46CC-8444-43BE9575F50F}"/>
               </a:ext>
             </a:extLst>
           </p:cNvPr>
@@ -6712,153 +6376,31 @@
         </p:nvSpPr>
         <p:spPr>
           <a:xfrm>
-            <a:off x="457200" y="1813462"/>
-            <a:ext cx="4800600" cy="4053938"/>
+            <a:off x="457200" y="1600200"/>
+            <a:ext cx="8229600" cy="4525963"/>
           </a:xfrm>
         </p:spPr>
         <p:txBody>
-          <a:bodyPr>
-            <a:normAutofit/>
-          </a:bodyPr>
+          <a:bodyPr/>
           <a:lstStyle/>
           <a:p>
             <a:r>
-              <a:rPr lang="tr-TR" dirty="0"/>
-              <a:t>Test Step </a:t>
-            </a:r>
-            <a:r>
-              <a:rPr lang="tr-TR" dirty="0" err="1"/>
-              <a:t>List</a:t>
-            </a:r>
-            <a:r>
-              <a:rPr lang="tr-TR" dirty="0"/>
-              <a:t> </a:t>
-            </a:r>
-            <a:r>
-              <a:rPr lang="tr-TR" dirty="0" err="1"/>
-              <a:t>operations</a:t>
-            </a:r>
-            <a:r>
-              <a:rPr lang="tr-TR" dirty="0"/>
-              <a:t> </a:t>
-            </a:r>
-            <a:r>
-              <a:rPr lang="tr-TR" dirty="0" err="1"/>
-              <a:t>are</a:t>
-            </a:r>
-            <a:r>
-              <a:rPr lang="tr-TR" dirty="0"/>
-              <a:t> </a:t>
-            </a:r>
-            <a:r>
-              <a:rPr lang="tr-TR" dirty="0" err="1"/>
-              <a:t>given</a:t>
-            </a:r>
-            <a:r>
-              <a:rPr lang="tr-TR" dirty="0"/>
-              <a:t> as </a:t>
-            </a:r>
-            <a:r>
-              <a:rPr lang="tr-TR" dirty="0" err="1"/>
-              <a:t>input</a:t>
-            </a:r>
-            <a:r>
-              <a:rPr lang="tr-TR" dirty="0"/>
-              <a:t> </a:t>
-            </a:r>
-            <a:r>
-              <a:rPr lang="tr-TR" dirty="0" err="1"/>
-              <a:t>to</a:t>
-            </a:r>
-            <a:r>
-              <a:rPr lang="tr-TR" dirty="0"/>
-              <a:t> </a:t>
-            </a:r>
-            <a:r>
-              <a:rPr lang="tr-TR" dirty="0" err="1"/>
-              <a:t>tes</a:t>
-            </a:r>
-            <a:r>
-              <a:rPr lang="tr-TR" dirty="0"/>
-              <a:t> </a:t>
-            </a:r>
-            <a:r>
-              <a:rPr lang="tr-TR" dirty="0" err="1"/>
-              <a:t>case</a:t>
-            </a:r>
-            <a:r>
-              <a:rPr lang="tr-TR" dirty="0"/>
-              <a:t>.</a:t>
-            </a:r>
-          </a:p>
-          <a:p>
-            <a:r>
-              <a:rPr lang="tr-TR" dirty="0"/>
-              <a:t>Operations </a:t>
-            </a:r>
-            <a:r>
-              <a:rPr lang="tr-TR" dirty="0" err="1"/>
-              <a:t>are</a:t>
-            </a:r>
-            <a:r>
-              <a:rPr lang="tr-TR" dirty="0"/>
-              <a:t> </a:t>
-            </a:r>
-            <a:r>
-              <a:rPr lang="tr-TR" dirty="0" err="1"/>
-              <a:t>wiriting</a:t>
-            </a:r>
-            <a:r>
-              <a:rPr lang="tr-TR" dirty="0"/>
-              <a:t> a </a:t>
-            </a:r>
-            <a:r>
-              <a:rPr lang="tr-TR" dirty="0" err="1"/>
-              <a:t>text</a:t>
-            </a:r>
-            <a:r>
-              <a:rPr lang="tr-TR" dirty="0"/>
-              <a:t> file </a:t>
-            </a:r>
-            <a:r>
-              <a:rPr lang="tr-TR" dirty="0" err="1"/>
-              <a:t>and</a:t>
-            </a:r>
-            <a:r>
-              <a:rPr lang="tr-TR" dirty="0"/>
-              <a:t> </a:t>
-            </a:r>
-            <a:r>
-              <a:rPr lang="tr-TR" dirty="0" err="1"/>
-              <a:t>send</a:t>
-            </a:r>
-            <a:r>
-              <a:rPr lang="tr-TR" dirty="0"/>
-              <a:t> </a:t>
-            </a:r>
-            <a:r>
-              <a:rPr lang="tr-TR" dirty="0" err="1"/>
-              <a:t>related</a:t>
-            </a:r>
-            <a:r>
-              <a:rPr lang="tr-TR" dirty="0"/>
-              <a:t> </a:t>
-            </a:r>
-            <a:r>
-              <a:rPr lang="tr-TR" dirty="0" err="1"/>
-              <a:t>directory</a:t>
-            </a:r>
-            <a:r>
-              <a:rPr lang="tr-TR" dirty="0"/>
-              <a:t> </a:t>
-            </a:r>
-            <a:r>
-              <a:rPr lang="tr-TR" dirty="0" err="1"/>
-              <a:t>automatically</a:t>
-            </a:r>
-            <a:r>
-              <a:rPr lang="tr-TR" dirty="0"/>
-              <a:t>.</a:t>
+              <a:rPr lang="en-US" dirty="0"/>
+              <a:t>Test Step List operations are given as input to test case.</a:t>
+            </a:r>
+          </a:p>
+          <a:p>
+            <a:r>
+              <a:rPr lang="en-US" dirty="0"/>
+              <a:t>Operations are writ</a:t>
+            </a:r>
+            <a:r>
+              <a:rPr lang="tr-TR" dirty="0"/>
+              <a:t>ten</a:t>
+            </a:r>
+            <a:r>
+              <a:rPr lang="en-US" dirty="0"/>
+              <a:t> into a text file and send to the related directory automatically.</a:t>
             </a:r>
           </a:p>
           <a:p>
@@ -6927,26 +6469,78 @@
             </a:r>
           </a:p>
           <a:p>
-            <a:pPr lvl="1"/>
             <a:endParaRPr lang="tr-TR" dirty="0"/>
           </a:p>
-          <a:p>
-            <a:pPr lvl="1"/>
-            <a:endParaRPr lang="tr-TR" dirty="0"/>
-          </a:p>
-          <a:p>
-            <a:pPr lvl="1"/>
-            <a:endParaRPr lang="tr-TR" dirty="0"/>
-          </a:p>
-          <a:p>
-            <a:endParaRPr lang="en-US" dirty="0"/>
-          </a:p>
-        </p:txBody>
-      </p:sp>
+        </p:txBody>
+      </p:sp>
+      <p:sp>
+        <p:nvSpPr>
+          <p:cNvPr id="4" name="Slayt Numarası Yer Tutucusu 3">
+            <a:extLst>
+              <a:ext uri="{FF2B5EF4-FFF2-40B4-BE49-F238E27FC236}">
+                <a16:creationId xmlns:a16="http://schemas.microsoft.com/office/drawing/2014/main" id="{6AE5EC0A-5648-4056-899C-80A09B3EE157}"/>
+              </a:ext>
+            </a:extLst>
+          </p:cNvPr>
+          <p:cNvSpPr>
+            <a:spLocks noGrp="1"/>
+          </p:cNvSpPr>
+          <p:nvPr>
+            <p:ph type="sldNum" sz="quarter" idx="12"/>
+          </p:nvPr>
+        </p:nvSpPr>
+        <p:spPr/>
+        <p:txBody>
+          <a:bodyPr/>
+          <a:lstStyle/>
+          <a:p>
+            <a:fld id="{D3A8E80F-08AD-4AA5-83D2-78A6B2333CC0}" type="slidenum">
+              <a:rPr lang="en-US" smtClean="0"/>
+              <a:t>10</a:t>
+            </a:fld>
+            <a:endParaRPr lang="en-US"/>
+          </a:p>
+        </p:txBody>
+      </p:sp>
+      <p:pic>
+        <p:nvPicPr>
+          <p:cNvPr id="6" name="Resim 5">
+            <a:extLst>
+              <a:ext uri="{FF2B5EF4-FFF2-40B4-BE49-F238E27FC236}">
+                <a16:creationId xmlns:a16="http://schemas.microsoft.com/office/drawing/2014/main" id="{601FEC3C-918A-4B44-BAF5-00B195068E01}"/>
+              </a:ext>
+            </a:extLst>
+          </p:cNvPr>
+          <p:cNvPicPr>
+            <a:picLocks noChangeAspect="1"/>
+          </p:cNvPicPr>
+          <p:nvPr/>
+        </p:nvPicPr>
+        <p:blipFill rotWithShape="1">
+          <a:blip r:embed="rId2">
+            <a:extLst>
+              <a:ext uri="{28A0092B-C50C-407E-A947-70E740481C1C}">
+                <a14:useLocalDpi xmlns:a14="http://schemas.microsoft.com/office/drawing/2010/main" val="0"/>
+              </a:ext>
+            </a:extLst>
+          </a:blip>
+          <a:srcRect r="523" b="48389"/>
+          <a:stretch/>
+        </p:blipFill>
+        <p:spPr>
+          <a:xfrm>
+            <a:off x="3733800" y="3657600"/>
+            <a:ext cx="4380076" cy="1766123"/>
+          </a:xfrm>
+          <a:prstGeom prst="rect">
+            <a:avLst/>
+          </a:prstGeom>
+        </p:spPr>
+      </p:pic>
     </p:spTree>
     <p:extLst>
       <p:ext uri="{BB962C8B-B14F-4D97-AF65-F5344CB8AC3E}">
-        <p14:creationId xmlns:p14="http://schemas.microsoft.com/office/powerpoint/2010/main" val="1040358282"/>
+        <p14:creationId xmlns:p14="http://schemas.microsoft.com/office/powerpoint/2010/main" val="2913141030"/>
       </p:ext>
     </p:extLst>
   </p:cSld>
@@ -7765,13 +7359,13 @@
         </p:nvSpPr>
         <p:spPr>
           <a:xfrm>
-            <a:off x="307974" y="5167082"/>
+            <a:off x="307974" y="5486400"/>
             <a:ext cx="8607425" cy="914400"/>
           </a:xfrm>
         </p:spPr>
         <p:txBody>
           <a:bodyPr>
-            <a:normAutofit lnSpcReduction="10000"/>
+            <a:normAutofit fontScale="92500" lnSpcReduction="10000"/>
           </a:bodyPr>
           <a:lstStyle/>
           <a:p>
@@ -7805,7 +7399,7 @@
             </a:r>
             <a:r>
               <a:rPr lang="tr-TR" sz="2000" dirty="0"/>
-              <a:t> Operations Test Case. Test </a:t>
+              <a:t> Operations Test Case; Test </a:t>
             </a:r>
             <a:r>
               <a:rPr lang="tr-TR" sz="2000" dirty="0" err="1"/>
@@ -7845,7 +7439,7 @@
             </a:r>
             <a:r>
               <a:rPr lang="tr-TR" sz="2000" dirty="0"/>
-              <a:t> as </a:t>
+              <a:t> as an </a:t>
             </a:r>
             <a:r>
               <a:rPr lang="tr-TR" sz="2000" dirty="0" err="1"/>
@@ -7861,15 +7455,7 @@
             </a:r>
             <a:r>
               <a:rPr lang="tr-TR" sz="2000" dirty="0"/>
-              <a:t>. </a:t>
-            </a:r>
-            <a:r>
-              <a:rPr lang="tr-TR" sz="2000" dirty="0" err="1"/>
-              <a:t>And</a:t>
-            </a:r>
-            <a:r>
-              <a:rPr lang="tr-TR" sz="2000" dirty="0"/>
-              <a:t> </a:t>
+              <a:t>, </a:t>
             </a:r>
             <a:r>
               <a:rPr lang="tr-TR" sz="2000" dirty="0" err="1"/>
@@ -7881,7 +7467,15 @@
             </a:r>
             <a:r>
               <a:rPr lang="tr-TR" sz="2000" dirty="0" err="1"/>
-              <a:t>writing</a:t>
+              <a:t>writes</a:t>
+            </a:r>
+            <a:r>
+              <a:rPr lang="tr-TR" sz="2000" dirty="0"/>
+              <a:t> </a:t>
+            </a:r>
+            <a:r>
+              <a:rPr lang="tr-TR" sz="2000" dirty="0" err="1"/>
+              <a:t>to</a:t>
             </a:r>
             <a:r>
               <a:rPr lang="tr-TR" sz="2000" dirty="0"/>
@@ -7909,11 +7503,11 @@
             </a:r>
             <a:r>
               <a:rPr lang="tr-TR" sz="2000" dirty="0"/>
-              <a:t> </a:t>
+              <a:t> modüle, </a:t>
             </a:r>
             <a:r>
               <a:rPr lang="tr-TR" sz="2000" dirty="0" err="1"/>
-              <a:t>module</a:t>
+              <a:t>and</a:t>
             </a:r>
             <a:r>
               <a:rPr lang="tr-TR" sz="2000" dirty="0"/>
@@ -7921,7 +7515,23 @@
             </a:r>
             <a:r>
               <a:rPr lang="tr-TR" sz="2000" dirty="0" err="1"/>
-              <a:t>sending</a:t>
+              <a:t>sends</a:t>
+            </a:r>
+            <a:r>
+              <a:rPr lang="tr-TR" sz="2000" dirty="0"/>
+              <a:t> </a:t>
+            </a:r>
+            <a:r>
+              <a:rPr lang="tr-TR" sz="2000" dirty="0" err="1"/>
+              <a:t>to</a:t>
+            </a:r>
+            <a:r>
+              <a:rPr lang="tr-TR" sz="2000" dirty="0"/>
+              <a:t> </a:t>
+            </a:r>
+            <a:r>
+              <a:rPr lang="tr-TR" sz="2000" dirty="0" err="1"/>
+              <a:t>the</a:t>
             </a:r>
             <a:r>
               <a:rPr lang="tr-TR" sz="2000" dirty="0"/>
@@ -8526,11 +8136,19 @@
             </a:r>
             <a:r>
               <a:rPr lang="tr-TR" sz="2000" dirty="0"/>
-              <a:t> </a:t>
+              <a:t> sent </a:t>
             </a:r>
             <a:r>
               <a:rPr lang="tr-TR" sz="2000" dirty="0" err="1"/>
-              <a:t>send</a:t>
+              <a:t>to</a:t>
+            </a:r>
+            <a:r>
+              <a:rPr lang="tr-TR" sz="2000" dirty="0"/>
+              <a:t> </a:t>
+            </a:r>
+            <a:r>
+              <a:rPr lang="tr-TR" sz="2000" dirty="0" err="1"/>
+              <a:t>the</a:t>
             </a:r>
             <a:r>
               <a:rPr lang="tr-TR" sz="2000" dirty="0"/>
@@ -8554,7 +8172,7 @@
             </a:r>
             <a:r>
               <a:rPr lang="tr-TR" sz="2000" dirty="0" err="1"/>
-              <a:t>this</a:t>
+              <a:t>the</a:t>
             </a:r>
             <a:r>
               <a:rPr lang="tr-TR" sz="2000" dirty="0"/>
@@ -8598,7 +8216,7 @@
             </a:r>
             <a:r>
               <a:rPr lang="tr-TR" sz="2000" dirty="0"/>
-              <a:t> PC, file </a:t>
+              <a:t> PC, a file is </a:t>
             </a:r>
             <a:r>
               <a:rPr lang="tr-TR" sz="2000" dirty="0" err="1"/>
@@ -8630,7 +8248,7 @@
             </a:r>
             <a:r>
               <a:rPr lang="tr-TR" sz="2000" dirty="0"/>
-              <a:t> </a:t>
+              <a:t>, </a:t>
             </a:r>
             <a:r>
               <a:rPr lang="tr-TR" sz="2000" dirty="0" err="1"/>
@@ -9529,16 +9147,12 @@
               <a:buChar char=""/>
             </a:pPr>
             <a:r>
+              <a:rPr lang="tr-TR" sz="2000" dirty="0"/>
+              <a:t>We </a:t>
+            </a:r>
+            <a:r>
               <a:rPr lang="tr-TR" sz="2000" dirty="0" err="1"/>
-              <a:t>We</a:t>
-            </a:r>
-            <a:r>
-              <a:rPr lang="tr-TR" sz="2000" dirty="0"/>
-              <a:t> </a:t>
-            </a:r>
-            <a:r>
-              <a:rPr lang="tr-TR" sz="2000" dirty="0" err="1"/>
-              <a:t>integrated</a:t>
+              <a:t>integrate</a:t>
             </a:r>
             <a:r>
               <a:rPr lang="tr-TR" sz="2000" dirty="0"/>
@@ -9558,7 +9172,7 @@
             </a:r>
             <a:r>
               <a:rPr lang="tr-TR" sz="2000" dirty="0"/>
-              <a:t> file </a:t>
+              <a:t> file as </a:t>
             </a:r>
             <a:r>
               <a:rPr lang="tr-TR" sz="2000" dirty="0" err="1"/>
@@ -11239,7 +10853,41 @@
                 <a:ea typeface="+mn-ea"/>
                 <a:cs typeface="+mn-cs"/>
               </a:rPr>
-              <a:t> file pars </a:t>
+              <a:t> file </a:t>
+            </a:r>
+            <a:r>
+              <a:rPr kumimoji="0" lang="tr-TR" sz="1600" b="0" i="0" u="none" strike="noStrike" kern="1200" cap="none" spc="0" normalizeH="0" baseline="0" noProof="0" dirty="0" err="1">
+                <a:ln>
+                  <a:noFill/>
+                </a:ln>
+                <a:solidFill>
+                  <a:prstClr val="white"/>
+                </a:solidFill>
+                <a:effectLst/>
+                <a:uLnTx/>
+                <a:uFillTx/>
+                <a:latin typeface="Palatino Linotype"/>
+                <a:ea typeface="+mn-ea"/>
+                <a:cs typeface="+mn-cs"/>
+              </a:rPr>
+              <a:t>parse</a:t>
+            </a:r>
+            <a:r>
+              <a:rPr kumimoji="0" lang="tr-TR" sz="1600" b="0" i="0" u="none" strike="noStrike" kern="1200" cap="none" spc="0" normalizeH="0" baseline="0" noProof="0" dirty="0">
+                <a:ln>
+                  <a:noFill/>
+                </a:ln>
+                <a:solidFill>
+                  <a:prstClr val="white"/>
+                </a:solidFill>
+                <a:effectLst/>
+                <a:uLnTx/>
+                <a:uFillTx/>
+                <a:latin typeface="Palatino Linotype"/>
+                <a:ea typeface="+mn-ea"/>
+                <a:cs typeface="+mn-cs"/>
+              </a:rPr>
+              <a:t> </a:t>
             </a:r>
             <a:r>
               <a:rPr kumimoji="0" lang="tr-TR" sz="1600" b="0" i="0" u="none" strike="noStrike" kern="1200" cap="none" spc="0" normalizeH="0" baseline="0" noProof="0" dirty="0" err="1">
@@ -11395,7 +11043,7 @@
                 <a:ea typeface="+mn-ea"/>
                 <a:cs typeface="+mn-cs"/>
               </a:rPr>
-              <a:t>take</a:t>
+              <a:t>taken</a:t>
             </a:r>
             <a:r>
               <a:rPr kumimoji="0" lang="tr-TR" sz="1600" b="0" i="0" u="none" strike="noStrike" kern="1200" cap="none" spc="0" normalizeH="0" baseline="0" noProof="0" dirty="0">
@@ -11497,7 +11145,7 @@
                 <a:ea typeface="+mn-ea"/>
                 <a:cs typeface="+mn-cs"/>
               </a:rPr>
-              <a:t>select</a:t>
+              <a:t>selected</a:t>
             </a:r>
             <a:endParaRPr kumimoji="0" lang="en-US" sz="1600" b="0" i="0" u="none" strike="noStrike" kern="1200" cap="none" spc="0" normalizeH="0" baseline="0" noProof="0" dirty="0">
               <a:ln>
@@ -12572,7 +12220,7 @@
         </p:spPr>
         <p:txBody>
           <a:bodyPr>
-            <a:normAutofit lnSpcReduction="10000"/>
+            <a:normAutofit fontScale="92500" lnSpcReduction="10000"/>
           </a:bodyPr>
           <a:lstStyle/>
           <a:p>
@@ -12618,11 +12266,11 @@
             </a:r>
             <a:r>
               <a:rPr lang="tr-TR" sz="2000" dirty="0"/>
-              <a:t>can </a:t>
+              <a:t>can be </a:t>
             </a:r>
             <a:r>
               <a:rPr lang="tr-TR" sz="2000" dirty="0" err="1"/>
-              <a:t>use</a:t>
+              <a:t>used</a:t>
             </a:r>
             <a:r>
               <a:rPr lang="tr-TR" sz="2000" dirty="0"/>
@@ -12674,12 +12322,8 @@
               <a:buChar char=""/>
             </a:pPr>
             <a:r>
-              <a:rPr lang="tr-TR" sz="2000" dirty="0" err="1"/>
-              <a:t>We</a:t>
-            </a:r>
-            <a:r>
               <a:rPr lang="tr-TR" sz="2000" dirty="0"/>
-              <a:t> </a:t>
+              <a:t>We </a:t>
             </a:r>
             <a:r>
               <a:rPr lang="tr-TR" sz="2000" dirty="0" err="1"/>
@@ -12715,7 +12359,7 @@
             </a:r>
             <a:r>
               <a:rPr lang="tr-TR" sz="2000" dirty="0" err="1"/>
-              <a:t>for</a:t>
+              <a:t>to</a:t>
             </a:r>
             <a:r>
               <a:rPr lang="tr-TR" sz="2000" dirty="0"/>
@@ -12727,7 +12371,15 @@
             </a:r>
             <a:r>
               <a:rPr lang="tr-TR" sz="2000" dirty="0"/>
-              <a:t> test, </a:t>
+              <a:t> </a:t>
+            </a:r>
+            <a:r>
+              <a:rPr lang="tr-TR" sz="2000" dirty="0" err="1"/>
+              <a:t>the</a:t>
+            </a:r>
+            <a:r>
+              <a:rPr lang="tr-TR" sz="2000" dirty="0"/>
+              <a:t> test; </a:t>
             </a:r>
             <a:r>
               <a:rPr lang="tr-TR" sz="2000" dirty="0" err="1"/>
@@ -12743,23 +12395,15 @@
             </a:r>
             <a:r>
               <a:rPr lang="tr-TR" sz="2000" dirty="0"/>
-              <a:t> </a:t>
+              <a:t>, web link </a:t>
             </a:r>
             <a:r>
               <a:rPr lang="tr-TR" sz="2000" dirty="0" err="1"/>
-              <a:t>and</a:t>
+              <a:t>address</a:t>
             </a:r>
             <a:r>
               <a:rPr lang="tr-TR" sz="2000" dirty="0"/>
-              <a:t> web link </a:t>
-            </a:r>
-            <a:r>
-              <a:rPr lang="tr-TR" sz="2000" dirty="0" err="1"/>
-              <a:t>adress</a:t>
-            </a:r>
-            <a:r>
-              <a:rPr lang="tr-TR" sz="2000" dirty="0"/>
-              <a:t> </a:t>
+              <a:t>, </a:t>
             </a:r>
             <a:r>
               <a:rPr lang="tr-TR" sz="2000" dirty="0" err="1"/>
@@ -12800,7 +12444,23 @@
             </a:pPr>
             <a:r>
               <a:rPr lang="tr-TR" sz="2000" dirty="0" err="1"/>
-              <a:t>Mapping</a:t>
+              <a:t>The</a:t>
+            </a:r>
+            <a:r>
+              <a:rPr lang="tr-TR" sz="2000" dirty="0"/>
+              <a:t> </a:t>
+            </a:r>
+            <a:r>
+              <a:rPr lang="tr-TR" sz="2000" dirty="0" err="1"/>
+              <a:t>only</a:t>
+            </a:r>
+            <a:r>
+              <a:rPr lang="tr-TR" sz="2000" dirty="0"/>
+              <a:t> time </a:t>
+            </a:r>
+            <a:r>
+              <a:rPr lang="tr-TR" sz="2000" dirty="0" err="1"/>
+              <a:t>effort</a:t>
             </a:r>
             <a:r>
               <a:rPr lang="tr-TR" sz="2000" dirty="0"/>
@@ -12808,15 +12468,7 @@
             </a:r>
             <a:r>
               <a:rPr lang="tr-TR" sz="2000" dirty="0" err="1"/>
-              <a:t>one</a:t>
-            </a:r>
-            <a:r>
-              <a:rPr lang="tr-TR" sz="2000" dirty="0"/>
-              <a:t> time </a:t>
-            </a:r>
-            <a:r>
-              <a:rPr lang="tr-TR" sz="2000" dirty="0" err="1"/>
-              <a:t>effort</a:t>
+              <a:t>mapping</a:t>
             </a:r>
             <a:r>
               <a:rPr lang="tr-TR" sz="2000" dirty="0"/>
@@ -12825,14 +12477,6 @@
             <a:r>
               <a:rPr lang="tr-TR" sz="2000" dirty="0" err="1"/>
               <a:t>for</a:t>
-            </a:r>
-            <a:r>
-              <a:rPr lang="tr-TR" sz="2000" dirty="0"/>
-              <a:t> </a:t>
-            </a:r>
-            <a:r>
-              <a:rPr lang="tr-TR" sz="2000" dirty="0" err="1"/>
-              <a:t>the</a:t>
             </a:r>
             <a:r>
               <a:rPr lang="tr-TR" sz="2000" dirty="0"/>
@@ -12884,12 +12528,8 @@
               <a:buChar char=""/>
             </a:pPr>
             <a:r>
-              <a:rPr lang="tr-TR" sz="2000" dirty="0" err="1"/>
-              <a:t>We</a:t>
-            </a:r>
-            <a:r>
               <a:rPr lang="tr-TR" sz="2000" dirty="0"/>
-              <a:t> can </a:t>
+              <a:t>We can </a:t>
             </a:r>
             <a:r>
               <a:rPr lang="tr-TR" sz="2000" dirty="0" err="1"/>
@@ -12917,7 +12557,7 @@
             </a:r>
             <a:r>
               <a:rPr lang="tr-TR" sz="2000" dirty="0" err="1"/>
-              <a:t>scenario</a:t>
+              <a:t>scenarios</a:t>
             </a:r>
             <a:r>
               <a:rPr lang="tr-TR" sz="2000" dirty="0"/>
@@ -12941,7 +12581,7 @@
             </a:r>
             <a:r>
               <a:rPr lang="tr-TR" sz="2000" dirty="0" err="1"/>
-              <a:t>ID’s</a:t>
+              <a:t>IDs</a:t>
             </a:r>
             <a:r>
               <a:rPr lang="tr-TR" sz="2000" dirty="0"/>
@@ -12974,7 +12614,23 @@
             </a:r>
             <a:r>
               <a:rPr lang="tr-TR" sz="2000" dirty="0"/>
-              <a:t> test </a:t>
+              <a:t> </a:t>
+            </a:r>
+            <a:r>
+              <a:rPr lang="tr-TR" sz="2000" dirty="0" err="1"/>
+              <a:t>we</a:t>
+            </a:r>
+            <a:r>
+              <a:rPr lang="tr-TR" sz="2000" dirty="0"/>
+              <a:t> </a:t>
+            </a:r>
+            <a:r>
+              <a:rPr lang="tr-TR" sz="2000" dirty="0" err="1"/>
+              <a:t>need</a:t>
+            </a:r>
+            <a:r>
+              <a:rPr lang="tr-TR" sz="2000" dirty="0"/>
+              <a:t> a test </a:t>
             </a:r>
             <a:r>
               <a:rPr lang="tr-TR" sz="2000" dirty="0" err="1"/>
@@ -12998,7 +12654,7 @@
             </a:r>
             <a:r>
               <a:rPr lang="tr-TR" sz="2000" dirty="0"/>
-              <a:t> </a:t>
+              <a:t> a </a:t>
             </a:r>
             <a:r>
               <a:rPr lang="tr-TR" sz="2000" dirty="0" err="1"/>
@@ -13006,7 +12662,7 @@
             </a:r>
             <a:r>
               <a:rPr lang="tr-TR" sz="2000" dirty="0"/>
-              <a:t> web link </a:t>
+              <a:t> web link, </a:t>
             </a:r>
             <a:r>
               <a:rPr lang="tr-TR" sz="2000" dirty="0" err="1"/>
@@ -13018,7 +12674,31 @@
             </a:r>
             <a:r>
               <a:rPr lang="tr-TR" sz="2000" dirty="0" err="1"/>
+              <a:t>only</a:t>
+            </a:r>
+            <a:r>
+              <a:rPr lang="tr-TR" sz="2000" dirty="0"/>
+              <a:t> </a:t>
+            </a:r>
+            <a:r>
+              <a:rPr lang="tr-TR" sz="2000" dirty="0" err="1"/>
               <a:t>need</a:t>
+            </a:r>
+            <a:r>
+              <a:rPr lang="tr-TR" sz="2000" dirty="0"/>
+              <a:t> </a:t>
+            </a:r>
+            <a:r>
+              <a:rPr lang="tr-TR" sz="2000" dirty="0" err="1"/>
+              <a:t>to</a:t>
+            </a:r>
+            <a:r>
+              <a:rPr lang="tr-TR" sz="2000" dirty="0"/>
+              <a:t> </a:t>
+            </a:r>
+            <a:r>
+              <a:rPr lang="tr-TR" sz="2000" dirty="0" err="1"/>
+              <a:t>change</a:t>
             </a:r>
             <a:r>
               <a:rPr lang="tr-TR" sz="2000" dirty="0"/>
@@ -13034,15 +12714,15 @@
             </a:r>
             <a:r>
               <a:rPr lang="tr-TR" sz="2000" dirty="0" err="1"/>
-              <a:t>change</a:t>
+              <a:t>map</a:t>
             </a:r>
             <a:r>
               <a:rPr lang="tr-TR" sz="2000" dirty="0"/>
-              <a:t> </a:t>
+              <a:t> file, </a:t>
             </a:r>
             <a:r>
               <a:rPr lang="tr-TR" sz="2000" dirty="0" err="1"/>
-              <a:t>just</a:t>
+              <a:t>and</a:t>
             </a:r>
             <a:r>
               <a:rPr lang="tr-TR" sz="2000" dirty="0"/>
@@ -13050,11 +12730,19 @@
             </a:r>
             <a:r>
               <a:rPr lang="tr-TR" sz="2000" dirty="0" err="1"/>
-              <a:t>map</a:t>
+              <a:t>the</a:t>
             </a:r>
             <a:r>
               <a:rPr lang="tr-TR" sz="2000" dirty="0"/>
-              <a:t> file. </a:t>
+              <a:t> web link </a:t>
+            </a:r>
+            <a:r>
+              <a:rPr lang="tr-TR" sz="2000" dirty="0" err="1"/>
+              <a:t>address</a:t>
+            </a:r>
+            <a:r>
+              <a:rPr lang="tr-TR" sz="2000" dirty="0"/>
+              <a:t>.</a:t>
             </a:r>
           </a:p>
           <a:p>
@@ -13188,7 +12876,7 @@
             </a:r>
             <a:r>
               <a:rPr lang="tr-TR" dirty="0"/>
-              <a:t> </a:t>
+              <a:t>; </a:t>
             </a:r>
             <a:r>
               <a:rPr lang="tr-TR" dirty="0" err="1"/>
@@ -13372,6 +13060,7 @@
           </a:bodyPr>
           <a:lstStyle/>
           <a:p>
+            <a:pPr algn="just"/>
             <a:r>
               <a:rPr lang="tr-TR" dirty="0" err="1"/>
               <a:t>Our</a:t>
@@ -13430,16 +13119,14 @@
             </a:r>
           </a:p>
           <a:p>
+            <a:pPr algn="just"/>
             <a:endParaRPr lang="en-US" dirty="0"/>
           </a:p>
           <a:p>
-            <a:r>
-              <a:rPr lang="tr-TR" dirty="0" err="1"/>
-              <a:t>We</a:t>
-            </a:r>
-            <a:r>
-              <a:rPr lang="tr-TR" dirty="0"/>
-              <a:t> </a:t>
+            <a:pPr algn="just"/>
+            <a:r>
+              <a:rPr lang="tr-TR" dirty="0"/>
+              <a:t>We </a:t>
             </a:r>
             <a:r>
               <a:rPr lang="tr-TR" dirty="0" err="1"/>
@@ -13447,7 +13134,7 @@
             </a:r>
             <a:r>
               <a:rPr lang="tr-TR" dirty="0"/>
-              <a:t> </a:t>
+              <a:t> a </a:t>
             </a:r>
             <a:r>
               <a:rPr lang="tr-TR" dirty="0" err="1"/>
@@ -13463,7 +13150,7 @@
             </a:r>
             <a:r>
               <a:rPr lang="tr-TR" dirty="0"/>
-              <a:t> Product </a:t>
+              <a:t> of Product </a:t>
             </a:r>
             <a:r>
               <a:rPr lang="tr-TR" dirty="0" err="1"/>
@@ -13471,11 +13158,11 @@
             </a:r>
             <a:r>
               <a:rPr lang="tr-TR" dirty="0"/>
-              <a:t>. </a:t>
+              <a:t>, </a:t>
             </a:r>
             <a:r>
               <a:rPr lang="tr-TR" dirty="0" err="1"/>
-              <a:t>So</a:t>
+              <a:t>so</a:t>
             </a:r>
             <a:r>
               <a:rPr lang="tr-TR" dirty="0"/>
@@ -13511,11 +13198,11 @@
             </a:r>
             <a:r>
               <a:rPr lang="tr-TR" dirty="0"/>
-              <a:t> </a:t>
+              <a:t> in </a:t>
             </a:r>
             <a:r>
               <a:rPr lang="tr-TR" dirty="0" err="1"/>
-              <a:t>for</a:t>
+              <a:t>order</a:t>
             </a:r>
             <a:r>
               <a:rPr lang="tr-TR" dirty="0"/>
@@ -13523,7 +13210,15 @@
             </a:r>
             <a:r>
               <a:rPr lang="tr-TR" dirty="0" err="1"/>
-              <a:t>covere</a:t>
+              <a:t>to</a:t>
+            </a:r>
+            <a:r>
+              <a:rPr lang="tr-TR" dirty="0"/>
+              <a:t> </a:t>
+            </a:r>
+            <a:r>
+              <a:rPr lang="tr-TR" dirty="0" err="1"/>
+              <a:t>cover</a:t>
             </a:r>
             <a:r>
               <a:rPr lang="tr-TR" dirty="0"/>
@@ -13559,12 +13254,48 @@
             </a:r>
             <a:r>
               <a:rPr lang="tr-TR" dirty="0"/>
+              <a:t> </a:t>
+            </a:r>
+            <a:r>
+              <a:rPr lang="tr-TR" dirty="0" err="1"/>
+              <a:t>without</a:t>
+            </a:r>
+            <a:r>
+              <a:rPr lang="tr-TR" dirty="0"/>
+              <a:t> </a:t>
+            </a:r>
+            <a:r>
+              <a:rPr lang="tr-TR" dirty="0" err="1"/>
+              <a:t>giving</a:t>
+            </a:r>
+            <a:r>
+              <a:rPr lang="tr-TR" dirty="0"/>
+              <a:t> </a:t>
+            </a:r>
+            <a:r>
+              <a:rPr lang="tr-TR" dirty="0" err="1"/>
+              <a:t>any</a:t>
+            </a:r>
+            <a:r>
+              <a:rPr lang="tr-TR" dirty="0"/>
+              <a:t> </a:t>
+            </a:r>
+            <a:r>
+              <a:rPr lang="tr-TR" dirty="0" err="1"/>
+              <a:t>manual</a:t>
+            </a:r>
+            <a:r>
+              <a:rPr lang="tr-TR" dirty="0"/>
+              <a:t> </a:t>
+            </a:r>
+            <a:r>
+              <a:rPr lang="tr-TR" dirty="0" err="1"/>
+              <a:t>effort</a:t>
+            </a:r>
+            <a:r>
+              <a:rPr lang="tr-TR" dirty="0"/>
               <a:t>.</a:t>
             </a:r>
-          </a:p>
-          <a:p>
-            <a:pPr lvl="1"/>
-            <a:endParaRPr lang="tr-TR" b="1" dirty="0"/>
           </a:p>
         </p:txBody>
       </p:sp>
@@ -13683,23 +13414,19 @@
         </p:spPr>
         <p:txBody>
           <a:bodyPr>
-            <a:normAutofit/>
+            <a:normAutofit lnSpcReduction="10000"/>
           </a:bodyPr>
           <a:lstStyle/>
           <a:p>
-            <a:pPr>
+            <a:pPr algn="just">
               <a:spcBef>
                 <a:spcPts val="0"/>
               </a:spcBef>
               <a:defRPr/>
             </a:pPr>
             <a:r>
-              <a:rPr lang="tr-TR" dirty="0" err="1"/>
-              <a:t>We</a:t>
-            </a:r>
-            <a:r>
-              <a:rPr lang="tr-TR" dirty="0"/>
-              <a:t> </a:t>
+              <a:rPr lang="tr-TR" dirty="0"/>
+              <a:t>We </a:t>
             </a:r>
             <a:r>
               <a:rPr lang="tr-TR" dirty="0" err="1"/>
@@ -13719,31 +13446,15 @@
             </a:r>
             <a:r>
               <a:rPr lang="tr-TR" dirty="0" err="1"/>
-              <a:t>for</a:t>
-            </a:r>
-            <a:r>
-              <a:rPr lang="tr-TR" dirty="0"/>
-              <a:t> </a:t>
-            </a:r>
-            <a:r>
-              <a:rPr lang="tr-TR" dirty="0" err="1"/>
-              <a:t>testing</a:t>
-            </a:r>
-            <a:r>
-              <a:rPr lang="tr-TR" dirty="0"/>
-              <a:t> Wireless Access Point(WAP) WEB UI </a:t>
-            </a:r>
-            <a:r>
-              <a:rPr lang="tr-TR" dirty="0" err="1"/>
-              <a:t>testing</a:t>
-            </a:r>
-            <a:r>
-              <a:rPr lang="tr-TR" dirty="0"/>
-              <a:t>.</a:t>
-            </a:r>
-          </a:p>
-          <a:p>
-            <a:pPr>
+              <a:t>to</a:t>
+            </a:r>
+            <a:r>
+              <a:rPr lang="tr-TR" dirty="0"/>
+              <a:t> test Wireless Access Point(WAP) WEB UI.</a:t>
+            </a:r>
+          </a:p>
+          <a:p>
+            <a:pPr algn="just">
               <a:spcBef>
                 <a:spcPts val="0"/>
               </a:spcBef>
@@ -13752,7 +13463,7 @@
             <a:endParaRPr lang="tr-TR" dirty="0"/>
           </a:p>
           <a:p>
-            <a:pPr>
+            <a:pPr algn="just">
               <a:spcBef>
                 <a:spcPts val="0"/>
               </a:spcBef>
@@ -13772,6 +13483,14 @@
             </a:r>
             <a:r>
               <a:rPr lang="tr-TR" dirty="0" err="1"/>
+              <a:t>also</a:t>
+            </a:r>
+            <a:r>
+              <a:rPr lang="tr-TR" dirty="0"/>
+              <a:t> </a:t>
+            </a:r>
+            <a:r>
+              <a:rPr lang="tr-TR" dirty="0" err="1"/>
               <a:t>have</a:t>
             </a:r>
             <a:r>
@@ -13780,19 +13499,19 @@
             </a:r>
             <a:r>
               <a:rPr lang="tr-TR" dirty="0" err="1"/>
-              <a:t>also</a:t>
-            </a:r>
-            <a:r>
-              <a:rPr lang="tr-TR" dirty="0"/>
-              <a:t> </a:t>
+              <a:t>different</a:t>
+            </a:r>
+            <a:r>
+              <a:rPr lang="tr-TR" dirty="0"/>
+              <a:t> Web </a:t>
             </a:r>
             <a:r>
               <a:rPr lang="tr-TR" dirty="0" err="1"/>
-              <a:t>more</a:t>
-            </a:r>
-            <a:r>
-              <a:rPr lang="tr-TR" dirty="0"/>
-              <a:t> Web UI </a:t>
+              <a:t>UIs</a:t>
+            </a:r>
+            <a:r>
+              <a:rPr lang="tr-TR" dirty="0"/>
+              <a:t> </a:t>
             </a:r>
             <a:r>
               <a:rPr lang="tr-TR" dirty="0" err="1"/>
@@ -13804,7 +13523,7 @@
             </a:r>
           </a:p>
           <a:p>
-            <a:pPr>
+            <a:pPr algn="just">
               <a:spcBef>
                 <a:spcPts val="0"/>
               </a:spcBef>
@@ -13813,7 +13532,7 @@
             <a:endParaRPr lang="tr-TR" dirty="0"/>
           </a:p>
           <a:p>
-            <a:pPr>
+            <a:pPr algn="just">
               <a:spcBef>
                 <a:spcPts val="0"/>
               </a:spcBef>
@@ -13833,7 +13552,7 @@
             </a:r>
             <a:r>
               <a:rPr lang="tr-TR" dirty="0"/>
-              <a:t> </a:t>
+              <a:t>; </a:t>
             </a:r>
             <a:r>
               <a:rPr lang="tr-TR" dirty="0" err="1"/>
@@ -13869,7 +13588,7 @@
             </a:r>
           </a:p>
           <a:p>
-            <a:pPr>
+            <a:pPr algn="just">
               <a:spcBef>
                 <a:spcPts val="0"/>
               </a:spcBef>
@@ -13878,7 +13597,7 @@
             <a:endParaRPr lang="tr-TR" dirty="0"/>
           </a:p>
           <a:p>
-            <a:pPr>
+            <a:pPr algn="just">
               <a:spcBef>
                 <a:spcPts val="0"/>
               </a:spcBef>
@@ -13942,7 +13661,15 @@
             </a:r>
             <a:r>
               <a:rPr lang="tr-TR" dirty="0" err="1"/>
-              <a:t>with</a:t>
+              <a:t>supported</a:t>
+            </a:r>
+            <a:r>
+              <a:rPr lang="tr-TR" dirty="0"/>
+              <a:t> </a:t>
+            </a:r>
+            <a:r>
+              <a:rPr lang="tr-TR" dirty="0" err="1"/>
+              <a:t>by</a:t>
             </a:r>
             <a:r>
               <a:rPr lang="tr-TR" dirty="0"/>
@@ -14182,12 +13909,8 @@
               <a:defRPr/>
             </a:pPr>
             <a:r>
-              <a:rPr lang="tr-TR" dirty="0" err="1"/>
-              <a:t>We</a:t>
-            </a:r>
-            <a:r>
-              <a:rPr lang="tr-TR" dirty="0"/>
-              <a:t> </a:t>
+              <a:rPr lang="tr-TR" dirty="0"/>
+              <a:t>We </a:t>
             </a:r>
             <a:r>
               <a:rPr lang="tr-TR" dirty="0" err="1"/>
@@ -14195,7 +13918,23 @@
             </a:r>
             <a:r>
               <a:rPr lang="tr-TR" dirty="0"/>
-              <a:t> test </a:t>
+              <a:t> </a:t>
+            </a:r>
+            <a:r>
+              <a:rPr lang="tr-TR" dirty="0" err="1"/>
+              <a:t>have</a:t>
+            </a:r>
+            <a:r>
+              <a:rPr lang="tr-TR" dirty="0"/>
+              <a:t> </a:t>
+            </a:r>
+            <a:r>
+              <a:rPr lang="tr-TR" dirty="0" err="1"/>
+              <a:t>tests</a:t>
+            </a:r>
+            <a:r>
+              <a:rPr lang="tr-TR" dirty="0"/>
+              <a:t> </a:t>
             </a:r>
             <a:r>
               <a:rPr lang="tr-TR" dirty="0" err="1"/>
@@ -14211,7 +13950,7 @@
             </a:r>
             <a:r>
               <a:rPr lang="tr-TR" dirty="0"/>
-              <a:t> WAP </a:t>
+              <a:t> WAP on </a:t>
             </a:r>
             <a:r>
               <a:rPr lang="tr-TR" dirty="0" err="1"/>
@@ -14219,8 +13958,13 @@
             </a:r>
             <a:r>
               <a:rPr lang="tr-TR" dirty="0"/>
-              <a:t> web UI</a:t>
-            </a:r>
+              <a:t> web </a:t>
+            </a:r>
+            <a:r>
+              <a:rPr lang="tr-TR" dirty="0" err="1"/>
+              <a:t>UIs</a:t>
+            </a:r>
+            <a:endParaRPr lang="tr-TR" dirty="0"/>
           </a:p>
           <a:p>
             <a:pPr>
@@ -14252,7 +13996,7 @@
             </a:r>
             <a:r>
               <a:rPr lang="tr-TR" dirty="0"/>
-              <a:t> WAP </a:t>
+              <a:t> WAP is </a:t>
             </a:r>
             <a:r>
               <a:rPr lang="tr-TR" dirty="0" err="1"/>
@@ -14276,7 +14020,7 @@
             </a:r>
             <a:r>
               <a:rPr lang="tr-TR" dirty="0"/>
-              <a:t> PC </a:t>
+              <a:t> PC, </a:t>
             </a:r>
             <a:r>
               <a:rPr lang="tr-TR" dirty="0" err="1"/>
@@ -14316,7 +14060,7 @@
             </a:r>
             <a:r>
               <a:rPr lang="tr-TR" dirty="0"/>
-              <a:t> </a:t>
+              <a:t> on </a:t>
             </a:r>
             <a:r>
               <a:rPr lang="tr-TR" dirty="0" err="1"/>
@@ -14324,7 +14068,15 @@
             </a:r>
             <a:r>
               <a:rPr lang="tr-TR" dirty="0"/>
-              <a:t> PC.</a:t>
+              <a:t> </a:t>
+            </a:r>
+            <a:r>
+              <a:rPr lang="tr-TR" dirty="0" err="1"/>
+              <a:t>PCs</a:t>
+            </a:r>
+            <a:r>
+              <a:rPr lang="tr-TR" dirty="0"/>
+              <a:t>.</a:t>
             </a:r>
           </a:p>
           <a:p>
@@ -14344,12 +14096,8 @@
               <a:defRPr/>
             </a:pPr>
             <a:r>
-              <a:rPr lang="tr-TR" dirty="0" err="1"/>
-              <a:t>We</a:t>
-            </a:r>
-            <a:r>
-              <a:rPr lang="tr-TR" dirty="0"/>
-              <a:t> </a:t>
+              <a:rPr lang="tr-TR" dirty="0"/>
+              <a:t>We </a:t>
             </a:r>
             <a:r>
               <a:rPr lang="tr-TR" dirty="0" err="1"/>
@@ -14361,11 +14109,11 @@
             </a:r>
             <a:r>
               <a:rPr lang="tr-TR" dirty="0" err="1"/>
-              <a:t>house</a:t>
-            </a:r>
-            <a:r>
-              <a:rPr lang="tr-TR" dirty="0"/>
-              <a:t> </a:t>
+              <a:t>houses</a:t>
+            </a:r>
+            <a:r>
+              <a:rPr lang="tr-TR" dirty="0"/>
+              <a:t>, </a:t>
             </a:r>
             <a:r>
               <a:rPr lang="tr-TR" dirty="0" err="1"/>
@@ -14454,7 +14202,7 @@
             </a:r>
             <a:r>
               <a:rPr lang="tr-TR" dirty="0"/>
-              <a:t> </a:t>
+              <a:t> a </a:t>
             </a:r>
             <a:r>
               <a:rPr lang="tr-TR" dirty="0" err="1"/>
@@ -14474,7 +14222,7 @@
             </a:r>
             <a:r>
               <a:rPr lang="tr-TR" dirty="0" err="1"/>
-              <a:t>for</a:t>
+              <a:t>to</a:t>
             </a:r>
             <a:r>
               <a:rPr lang="tr-TR" dirty="0"/>
@@ -14482,11 +14230,27 @@
             </a:r>
             <a:r>
               <a:rPr lang="tr-TR" dirty="0" err="1"/>
-              <a:t>running</a:t>
-            </a:r>
-            <a:r>
-              <a:rPr lang="tr-TR" dirty="0"/>
-              <a:t> test </a:t>
+              <a:t>run</a:t>
+            </a:r>
+            <a:r>
+              <a:rPr lang="tr-TR" dirty="0"/>
+              <a:t> </a:t>
+            </a:r>
+            <a:r>
+              <a:rPr lang="tr-TR" dirty="0" err="1"/>
+              <a:t>the</a:t>
+            </a:r>
+            <a:r>
+              <a:rPr lang="tr-TR" dirty="0"/>
+              <a:t> </a:t>
+            </a:r>
+            <a:r>
+              <a:rPr lang="tr-TR" dirty="0" err="1"/>
+              <a:t>the</a:t>
+            </a:r>
+            <a:r>
+              <a:rPr lang="tr-TR" dirty="0"/>
+              <a:t> test on </a:t>
             </a:r>
             <a:r>
               <a:rPr lang="tr-TR" dirty="0" err="1"/>
@@ -14494,7 +14258,23 @@
             </a:r>
             <a:r>
               <a:rPr lang="tr-TR" dirty="0"/>
-              <a:t> PC </a:t>
+              <a:t> </a:t>
+            </a:r>
+            <a:r>
+              <a:rPr lang="tr-TR" dirty="0" err="1"/>
+              <a:t>PCs</a:t>
+            </a:r>
+            <a:r>
+              <a:rPr lang="tr-TR" dirty="0"/>
+              <a:t> at </a:t>
+            </a:r>
+            <a:r>
+              <a:rPr lang="tr-TR" dirty="0" err="1"/>
+              <a:t>the</a:t>
+            </a:r>
+            <a:r>
+              <a:rPr lang="tr-TR" dirty="0"/>
+              <a:t> </a:t>
             </a:r>
             <a:r>
               <a:rPr lang="tr-TR" dirty="0" err="1"/>
@@ -14502,7 +14282,7 @@
             </a:r>
             <a:r>
               <a:rPr lang="tr-TR" dirty="0"/>
-              <a:t> time </a:t>
+              <a:t> time, </a:t>
             </a:r>
             <a:r>
               <a:rPr lang="tr-TR" dirty="0" err="1"/>
@@ -14659,7 +14439,7 @@
         </p:spPr>
         <p:txBody>
           <a:bodyPr>
-            <a:normAutofit fontScale="92500"/>
+            <a:normAutofit fontScale="92500" lnSpcReduction="10000"/>
           </a:bodyPr>
           <a:lstStyle/>
           <a:p>
@@ -14691,19 +14471,11 @@
             </a:r>
             <a:r>
               <a:rPr lang="tr-TR" dirty="0"/>
-              <a:t> is </a:t>
+              <a:t> </a:t>
             </a:r>
             <a:r>
               <a:rPr lang="tr-TR" dirty="0" err="1"/>
-              <a:t>provide</a:t>
-            </a:r>
-            <a:r>
-              <a:rPr lang="tr-TR" dirty="0"/>
-              <a:t> </a:t>
-            </a:r>
-            <a:r>
-              <a:rPr lang="tr-TR" dirty="0" err="1"/>
-              <a:t>user</a:t>
+              <a:t>provides</a:t>
             </a:r>
             <a:r>
               <a:rPr lang="tr-TR" dirty="0"/>
@@ -14735,14 +14507,6 @@
             </a:r>
             <a:r>
               <a:rPr lang="tr-TR" dirty="0" err="1"/>
-              <a:t>the</a:t>
-            </a:r>
-            <a:r>
-              <a:rPr lang="tr-TR" dirty="0"/>
-              <a:t> </a:t>
-            </a:r>
-            <a:r>
-              <a:rPr lang="tr-TR" dirty="0" err="1"/>
               <a:t>all</a:t>
             </a:r>
             <a:r>
@@ -14759,11 +14523,11 @@
             </a:r>
             <a:r>
               <a:rPr lang="tr-TR" dirty="0" err="1"/>
-              <a:t>testing</a:t>
-            </a:r>
-            <a:r>
-              <a:rPr lang="tr-TR" dirty="0"/>
-              <a:t> </a:t>
+              <a:t>to</a:t>
+            </a:r>
+            <a:r>
+              <a:rPr lang="tr-TR" dirty="0"/>
+              <a:t> test </a:t>
             </a:r>
             <a:r>
               <a:rPr lang="tr-TR" dirty="0" err="1"/>
@@ -14775,7 +14539,7 @@
             </a:r>
             <a:r>
               <a:rPr lang="tr-TR" dirty="0" err="1"/>
-              <a:t>managing</a:t>
+              <a:t>manage</a:t>
             </a:r>
             <a:r>
               <a:rPr lang="tr-TR" dirty="0"/>
@@ -14836,7 +14600,7 @@
             </a:r>
             <a:r>
               <a:rPr lang="tr-TR" dirty="0"/>
-              <a:t> </a:t>
+              <a:t> as </a:t>
             </a:r>
             <a:r>
               <a:rPr lang="tr-TR" dirty="0" err="1"/>
@@ -14860,7 +14624,15 @@
             </a:r>
             <a:r>
               <a:rPr lang="tr-TR" dirty="0"/>
-              <a:t>, web </a:t>
+              <a:t>, </a:t>
+            </a:r>
+            <a:r>
+              <a:rPr lang="tr-TR" dirty="0" err="1"/>
+              <a:t>and</a:t>
+            </a:r>
+            <a:r>
+              <a:rPr lang="tr-TR" dirty="0"/>
+              <a:t> web </a:t>
             </a:r>
             <a:r>
               <a:rPr lang="tr-TR" dirty="0" err="1"/>
@@ -14888,12 +14660,8 @@
               <a:defRPr/>
             </a:pPr>
             <a:r>
-              <a:rPr lang="tr-TR" dirty="0" err="1"/>
-              <a:t>We</a:t>
-            </a:r>
-            <a:r>
-              <a:rPr lang="tr-TR" dirty="0"/>
-              <a:t> </a:t>
+              <a:rPr lang="tr-TR" dirty="0"/>
+              <a:t>We </a:t>
             </a:r>
             <a:r>
               <a:rPr lang="tr-TR" dirty="0" err="1"/>
@@ -14905,6 +14673,14 @@
             </a:r>
             <a:r>
               <a:rPr lang="tr-TR" dirty="0" err="1"/>
+              <a:t>below</a:t>
+            </a:r>
+            <a:r>
+              <a:rPr lang="tr-TR" dirty="0"/>
+              <a:t> </a:t>
+            </a:r>
+            <a:r>
+              <a:rPr lang="tr-TR" dirty="0" err="1"/>
               <a:t>script</a:t>
             </a:r>
             <a:r>
@@ -14913,7 +14689,7 @@
             </a:r>
             <a:r>
               <a:rPr lang="tr-TR" dirty="0" err="1"/>
-              <a:t>for</a:t>
+              <a:t>to</a:t>
             </a:r>
             <a:r>
               <a:rPr lang="tr-TR" dirty="0"/>
@@ -14954,6 +14730,14 @@
             <a:r>
               <a:rPr lang="tr-TR" dirty="0" err="1"/>
               <a:t>all</a:t>
+            </a:r>
+            <a:r>
+              <a:rPr lang="tr-TR" dirty="0"/>
+              <a:t> </a:t>
+            </a:r>
+            <a:r>
+              <a:rPr lang="tr-TR" dirty="0" err="1"/>
+              <a:t>to</a:t>
             </a:r>
             <a:r>
               <a:rPr lang="tr-TR" dirty="0"/>
@@ -15094,8 +14878,8 @@
         </p:blipFill>
         <p:spPr>
           <a:xfrm>
-            <a:off x="1003956" y="5040406"/>
-            <a:ext cx="7200899" cy="282388"/>
+            <a:off x="822000" y="4648200"/>
+            <a:ext cx="7560000" cy="296472"/>
           </a:xfrm>
           <a:prstGeom prst="rect">
             <a:avLst/>
@@ -15339,12 +15123,8 @@
               <a:defRPr/>
             </a:pPr>
             <a:r>
-              <a:rPr lang="tr-TR" sz="2000" dirty="0" err="1"/>
-              <a:t>Mapping</a:t>
-            </a:r>
-            <a:r>
               <a:rPr lang="tr-TR" sz="2000" dirty="0"/>
-              <a:t> file</a:t>
+              <a:t>Mapping file</a:t>
             </a:r>
           </a:p>
           <a:p>
@@ -15695,11 +15475,19 @@
             </a:pPr>
             <a:r>
               <a:rPr lang="tr-TR" dirty="0"/>
-              <a:t>Web Link file is </a:t>
+              <a:t>Web Link file </a:t>
             </a:r>
             <a:r>
               <a:rPr lang="tr-TR" dirty="0" err="1"/>
-              <a:t>defining</a:t>
+              <a:t>defines</a:t>
+            </a:r>
+            <a:r>
+              <a:rPr lang="tr-TR" dirty="0"/>
+              <a:t> </a:t>
+            </a:r>
+            <a:r>
+              <a:rPr lang="tr-TR" dirty="0" err="1"/>
+              <a:t>the</a:t>
             </a:r>
             <a:r>
               <a:rPr lang="tr-TR" dirty="0"/>
@@ -15711,15 +15499,7 @@
             </a:r>
             <a:r>
               <a:rPr lang="tr-TR" dirty="0"/>
-              <a:t> of </a:t>
-            </a:r>
-            <a:r>
-              <a:rPr lang="tr-TR" dirty="0" err="1"/>
-              <a:t>the</a:t>
-            </a:r>
-            <a:r>
-              <a:rPr lang="tr-TR" dirty="0"/>
-              <a:t> URL</a:t>
+              <a:t> of URL</a:t>
             </a:r>
           </a:p>
           <a:p>
@@ -15775,14 +15555,14 @@
             <a:endParaRPr lang="tr-TR" dirty="0"/>
           </a:p>
           <a:p>
-            <a:pPr lvl="1"/>
+            <a:pPr lvl="1" algn="just"/>
             <a:r>
               <a:rPr lang="tr-TR" sz="2000" dirty="0" err="1"/>
               <a:t>It</a:t>
             </a:r>
             <a:r>
               <a:rPr lang="tr-TR" sz="2000" dirty="0"/>
-              <a:t> is </a:t>
+              <a:t> is a </a:t>
             </a:r>
             <a:r>
               <a:rPr lang="tr-TR" sz="2000" dirty="0" err="1"/>
@@ -15814,7 +15594,7 @@
             </a:r>
             <a:r>
               <a:rPr lang="tr-TR" sz="2000" dirty="0"/>
-              <a:t> </a:t>
+              <a:t>, </a:t>
             </a:r>
             <a:r>
               <a:rPr lang="tr-TR" sz="2000" dirty="0" err="1"/>
@@ -15834,7 +15614,7 @@
             </a:r>
             <a:r>
               <a:rPr lang="tr-TR" sz="2000" dirty="0" err="1"/>
-              <a:t>writing</a:t>
+              <a:t>writes</a:t>
             </a:r>
             <a:r>
               <a:rPr lang="tr-TR" sz="2000" dirty="0"/>
@@ -15862,15 +15642,7 @@
             </a:r>
             <a:r>
               <a:rPr lang="tr-TR" sz="2000" dirty="0"/>
-              <a:t> </a:t>
-            </a:r>
-            <a:r>
-              <a:rPr lang="tr-TR" sz="2000" dirty="0" err="1"/>
-              <a:t>fle</a:t>
-            </a:r>
-            <a:r>
-              <a:rPr lang="tr-TR" sz="2000" dirty="0"/>
-              <a:t> </a:t>
+              <a:t> file </a:t>
             </a:r>
             <a:r>
               <a:rPr lang="tr-TR" sz="2000" dirty="0" err="1"/>
@@ -15878,6 +15650,14 @@
             </a:r>
             <a:r>
               <a:rPr lang="tr-TR" sz="2000" dirty="0"/>
+              <a:t> </a:t>
+            </a:r>
+            <a:r>
+              <a:rPr lang="tr-TR" sz="2000" dirty="0" err="1"/>
+              <a:t>the</a:t>
+            </a:r>
+            <a:r>
+              <a:rPr lang="tr-TR" sz="2000" dirty="0"/>
               <a:t> test is </a:t>
             </a:r>
             <a:r>
@@ -15886,7 +15666,7 @@
             </a:r>
             <a:r>
               <a:rPr lang="tr-TR" sz="2000" dirty="0"/>
-              <a:t> </a:t>
+              <a:t>. </a:t>
             </a:r>
           </a:p>
         </p:txBody>
@@ -16002,7 +15782,7 @@
         </p:blipFill>
         <p:spPr>
           <a:xfrm>
-            <a:off x="723900" y="3433482"/>
+            <a:off x="723900" y="3431988"/>
             <a:ext cx="7696200" cy="301812"/>
           </a:xfrm>
           <a:prstGeom prst="rect">
@@ -16027,7 +15807,7 @@
         <p:spPr>
           <a:xfrm>
             <a:off x="3352800" y="2895600"/>
-            <a:ext cx="4495800" cy="457200"/>
+            <a:ext cx="4343400" cy="381000"/>
           </a:xfrm>
           <a:prstGeom prst="straightConnector1">
             <a:avLst/>
@@ -16076,7 +15856,7 @@
         </p:blipFill>
         <p:spPr>
           <a:xfrm>
-            <a:off x="1447800" y="4881282"/>
+            <a:off x="1828800" y="5048716"/>
             <a:ext cx="5934075" cy="1656884"/>
           </a:xfrm>
           <a:prstGeom prst="rect">
@@ -16135,12 +15915,8 @@
           <a:lstStyle/>
           <a:p>
             <a:r>
-              <a:rPr lang="tr-TR" sz="4000" dirty="0" err="1"/>
-              <a:t>Mapping</a:t>
-            </a:r>
-            <a:r>
               <a:rPr lang="tr-TR" sz="4000" dirty="0"/>
-              <a:t> File</a:t>
+              <a:t>Mapping File</a:t>
             </a:r>
             <a:endParaRPr lang="en-US" sz="4000" dirty="0"/>
           </a:p>
@@ -16168,31 +15944,19 @@
           </a:bodyPr>
           <a:lstStyle/>
           <a:p>
-            <a:pPr>
+            <a:pPr algn="just">
               <a:spcBef>
                 <a:spcPts val="0"/>
               </a:spcBef>
               <a:defRPr/>
             </a:pPr>
             <a:r>
+              <a:rPr lang="tr-TR" dirty="0"/>
+              <a:t>Mapping file is </a:t>
+            </a:r>
+            <a:r>
               <a:rPr lang="tr-TR" dirty="0" err="1"/>
-              <a:t>Mapping</a:t>
-            </a:r>
-            <a:r>
-              <a:rPr lang="tr-TR" dirty="0"/>
-              <a:t> file is </a:t>
-            </a:r>
-            <a:r>
-              <a:rPr lang="tr-TR" dirty="0" err="1"/>
-              <a:t>defining</a:t>
-            </a:r>
-            <a:r>
-              <a:rPr lang="tr-TR" dirty="0"/>
-              <a:t> of </a:t>
-            </a:r>
-            <a:r>
-              <a:rPr lang="tr-TR" dirty="0" err="1"/>
-              <a:t>the</a:t>
+              <a:t>defines</a:t>
             </a:r>
             <a:r>
               <a:rPr lang="tr-TR" dirty="0"/>
@@ -16224,7 +15988,7 @@
             </a:r>
           </a:p>
           <a:p>
-            <a:pPr>
+            <a:pPr algn="just">
               <a:spcBef>
                 <a:spcPts val="0"/>
               </a:spcBef>
@@ -16233,7 +15997,7 @@
             <a:endParaRPr lang="tr-TR" dirty="0"/>
           </a:p>
           <a:p>
-            <a:pPr>
+            <a:pPr algn="just">
               <a:spcBef>
                 <a:spcPts val="0"/>
               </a:spcBef>
@@ -16261,7 +16025,15 @@
             </a:r>
             <a:r>
               <a:rPr lang="tr-TR" dirty="0"/>
-              <a:t> has ID. &lt;</a:t>
+              <a:t> </a:t>
+            </a:r>
+            <a:r>
+              <a:rPr lang="tr-TR" dirty="0" err="1"/>
+              <a:t>have</a:t>
+            </a:r>
+            <a:r>
+              <a:rPr lang="tr-TR" dirty="0"/>
+              <a:t> an ID. &lt;</a:t>
             </a:r>
             <a:r>
               <a:rPr lang="tr-TR" dirty="0" err="1"/>
@@ -16277,7 +16049,15 @@
             </a:r>
             <a:r>
               <a:rPr lang="tr-TR" dirty="0"/>
-              <a:t> define </a:t>
+              <a:t> </a:t>
+            </a:r>
+            <a:r>
+              <a:rPr lang="tr-TR" dirty="0" err="1"/>
+              <a:t>defines</a:t>
+            </a:r>
+            <a:r>
+              <a:rPr lang="tr-TR" dirty="0"/>
+              <a:t> </a:t>
             </a:r>
             <a:r>
               <a:rPr lang="tr-TR" dirty="0" err="1"/>
@@ -16305,7 +16085,7 @@
             </a:r>
           </a:p>
           <a:p>
-            <a:pPr>
+            <a:pPr algn="just">
               <a:spcBef>
                 <a:spcPts val="0"/>
               </a:spcBef>
@@ -16314,19 +16094,15 @@
             <a:endParaRPr lang="tr-TR" dirty="0"/>
           </a:p>
           <a:p>
-            <a:pPr>
+            <a:pPr algn="just">
               <a:spcBef>
                 <a:spcPts val="0"/>
               </a:spcBef>
               <a:defRPr/>
             </a:pPr>
             <a:r>
-              <a:rPr lang="tr-TR" dirty="0" err="1"/>
-              <a:t>We</a:t>
-            </a:r>
-            <a:r>
-              <a:rPr lang="tr-TR" dirty="0"/>
-              <a:t> </a:t>
+              <a:rPr lang="tr-TR" dirty="0"/>
+              <a:t>We </a:t>
             </a:r>
             <a:r>
               <a:rPr lang="tr-TR" dirty="0" err="1"/>
